--- a/schedule.pptx
+++ b/schedule.pptx
@@ -3097,25 +3097,119 @@
       </p:grpSpPr>
       <p:sp>
         <p:nvSpPr>
+          <p:cNvPr id="48" name="Rounded Rectangle 47"/>
+          <p:cNvSpPr/>
+          <p:nvPr/>
+        </p:nvSpPr>
+        <p:spPr>
+          <a:xfrm>
+            <a:off x="762000" y="2362199"/>
+            <a:ext cx="7543800" cy="1828801"/>
+          </a:xfrm>
+          <a:prstGeom prst="roundRect">
+            <a:avLst/>
+          </a:prstGeom>
+          <a:solidFill>
+            <a:schemeClr val="bg1">
+              <a:lumMod val="85000"/>
+            </a:schemeClr>
+          </a:solidFill>
+          <a:ln>
+            <a:noFill/>
+          </a:ln>
+        </p:spPr>
+        <p:style>
+          <a:lnRef idx="1">
+            <a:schemeClr val="accent1"/>
+          </a:lnRef>
+          <a:fillRef idx="3">
+            <a:schemeClr val="accent1"/>
+          </a:fillRef>
+          <a:effectRef idx="2">
+            <a:schemeClr val="accent1"/>
+          </a:effectRef>
+          <a:fontRef idx="minor">
+            <a:schemeClr val="lt1"/>
+          </a:fontRef>
+        </p:style>
+        <p:txBody>
+          <a:bodyPr rtlCol="0" anchor="ctr"/>
+          <a:lstStyle/>
+          <a:p>
+            <a:pPr algn="ctr"/>
+            <a:endParaRPr lang="en-US"/>
+          </a:p>
+        </p:txBody>
+      </p:sp>
+      <p:sp>
+        <p:nvSpPr>
+          <p:cNvPr id="3" name="Rounded Rectangle 2"/>
+          <p:cNvSpPr/>
+          <p:nvPr/>
+        </p:nvSpPr>
+        <p:spPr>
+          <a:xfrm>
+            <a:off x="762000" y="838200"/>
+            <a:ext cx="5715000" cy="1447800"/>
+          </a:xfrm>
+          <a:prstGeom prst="roundRect">
+            <a:avLst/>
+          </a:prstGeom>
+          <a:solidFill>
+            <a:schemeClr val="bg1">
+              <a:lumMod val="85000"/>
+            </a:schemeClr>
+          </a:solidFill>
+          <a:ln>
+            <a:noFill/>
+          </a:ln>
+        </p:spPr>
+        <p:style>
+          <a:lnRef idx="1">
+            <a:schemeClr val="accent1"/>
+          </a:lnRef>
+          <a:fillRef idx="3">
+            <a:schemeClr val="accent1"/>
+          </a:fillRef>
+          <a:effectRef idx="2">
+            <a:schemeClr val="accent1"/>
+          </a:effectRef>
+          <a:fontRef idx="minor">
+            <a:schemeClr val="lt1"/>
+          </a:fontRef>
+        </p:style>
+        <p:txBody>
+          <a:bodyPr rtlCol="0" anchor="ctr"/>
+          <a:lstStyle/>
+          <a:p>
+            <a:pPr algn="ctr"/>
+            <a:endParaRPr lang="en-US"/>
+          </a:p>
+        </p:txBody>
+      </p:sp>
+      <p:sp>
+        <p:nvSpPr>
           <p:cNvPr id="18" name="Rectangle 17"/>
           <p:cNvSpPr/>
           <p:nvPr/>
         </p:nvSpPr>
         <p:spPr>
           <a:xfrm>
-            <a:off x="3306236" y="533400"/>
-            <a:ext cx="1828800" cy="3962400"/>
+            <a:off x="3306236" y="381000"/>
+            <a:ext cx="1828800" cy="4114800"/>
           </a:xfrm>
           <a:prstGeom prst="rect">
             <a:avLst/>
           </a:prstGeom>
           <a:solidFill>
-            <a:schemeClr val="bg2">
-              <a:lumMod val="75000"/>
+            <a:schemeClr val="bg1">
+              <a:lumMod val="65000"/>
             </a:schemeClr>
           </a:solidFill>
           <a:ln>
-            <a:noFill/>
+            <a:solidFill>
+              <a:srgbClr val="000000"/>
+            </a:solidFill>
           </a:ln>
         </p:spPr>
         <p:style>
@@ -3178,8 +3272,8 @@
         </p:nvSpPr>
         <p:spPr>
           <a:xfrm>
-            <a:off x="1477436" y="1143000"/>
-            <a:ext cx="1828800" cy="914400"/>
+            <a:off x="1477436" y="990600"/>
+            <a:ext cx="1828800" cy="685800"/>
           </a:xfrm>
           <a:prstGeom prst="rect">
             <a:avLst/>
@@ -3248,324 +3342,13 @@
       </p:sp>
       <p:sp>
         <p:nvSpPr>
-          <p:cNvPr id="5" name="Rectangle 4"/>
-          <p:cNvSpPr/>
-          <p:nvPr/>
-        </p:nvSpPr>
-        <p:spPr>
-          <a:xfrm>
-            <a:off x="3306236" y="1135528"/>
-            <a:ext cx="1828800" cy="921871"/>
-          </a:xfrm>
-          <a:custGeom>
-            <a:avLst/>
-            <a:gdLst>
-              <a:gd name="connsiteX0" fmla="*/ 0 w 1828800"/>
-              <a:gd name="connsiteY0" fmla="*/ 0 h 914400"/>
-              <a:gd name="connsiteX1" fmla="*/ 1828800 w 1828800"/>
-              <a:gd name="connsiteY1" fmla="*/ 0 h 914400"/>
-              <a:gd name="connsiteX2" fmla="*/ 1828800 w 1828800"/>
-              <a:gd name="connsiteY2" fmla="*/ 914400 h 914400"/>
-              <a:gd name="connsiteX3" fmla="*/ 0 w 1828800"/>
-              <a:gd name="connsiteY3" fmla="*/ 914400 h 914400"/>
-              <a:gd name="connsiteX4" fmla="*/ 0 w 1828800"/>
-              <a:gd name="connsiteY4" fmla="*/ 0 h 914400"/>
-              <a:gd name="connsiteX0" fmla="*/ 0 w 1828800"/>
-              <a:gd name="connsiteY0" fmla="*/ 7471 h 921871"/>
-              <a:gd name="connsiteX1" fmla="*/ 1205753 w 1828800"/>
-              <a:gd name="connsiteY1" fmla="*/ 0 h 921871"/>
-              <a:gd name="connsiteX2" fmla="*/ 1828800 w 1828800"/>
-              <a:gd name="connsiteY2" fmla="*/ 7471 h 921871"/>
-              <a:gd name="connsiteX3" fmla="*/ 1828800 w 1828800"/>
-              <a:gd name="connsiteY3" fmla="*/ 921871 h 921871"/>
-              <a:gd name="connsiteX4" fmla="*/ 0 w 1828800"/>
-              <a:gd name="connsiteY4" fmla="*/ 921871 h 921871"/>
-              <a:gd name="connsiteX5" fmla="*/ 0 w 1828800"/>
-              <a:gd name="connsiteY5" fmla="*/ 7471 h 921871"/>
-              <a:gd name="connsiteX0" fmla="*/ 0 w 1828800"/>
-              <a:gd name="connsiteY0" fmla="*/ 7471 h 921871"/>
-              <a:gd name="connsiteX1" fmla="*/ 1205753 w 1828800"/>
-              <a:gd name="connsiteY1" fmla="*/ 0 h 921871"/>
-              <a:gd name="connsiteX2" fmla="*/ 1828800 w 1828800"/>
-              <a:gd name="connsiteY2" fmla="*/ 921871 h 921871"/>
-              <a:gd name="connsiteX3" fmla="*/ 0 w 1828800"/>
-              <a:gd name="connsiteY3" fmla="*/ 921871 h 921871"/>
-              <a:gd name="connsiteX4" fmla="*/ 0 w 1828800"/>
-              <a:gd name="connsiteY4" fmla="*/ 7471 h 921871"/>
-            </a:gdLst>
-            <a:ahLst/>
-            <a:cxnLst>
-              <a:cxn ang="0">
-                <a:pos x="connsiteX0" y="connsiteY0"/>
-              </a:cxn>
-              <a:cxn ang="0">
-                <a:pos x="connsiteX1" y="connsiteY1"/>
-              </a:cxn>
-              <a:cxn ang="0">
-                <a:pos x="connsiteX2" y="connsiteY2"/>
-              </a:cxn>
-              <a:cxn ang="0">
-                <a:pos x="connsiteX3" y="connsiteY3"/>
-              </a:cxn>
-              <a:cxn ang="0">
-                <a:pos x="connsiteX4" y="connsiteY4"/>
-              </a:cxn>
-            </a:cxnLst>
-            <a:rect l="l" t="t" r="r" b="b"/>
-            <a:pathLst>
-              <a:path w="1828800" h="921871">
-                <a:moveTo>
-                  <a:pt x="0" y="7471"/>
-                </a:moveTo>
-                <a:lnTo>
-                  <a:pt x="1205753" y="0"/>
-                </a:lnTo>
-                <a:lnTo>
-                  <a:pt x="1828800" y="921871"/>
-                </a:lnTo>
-                <a:lnTo>
-                  <a:pt x="0" y="921871"/>
-                </a:lnTo>
-                <a:lnTo>
-                  <a:pt x="0" y="7471"/>
-                </a:lnTo>
-                <a:close/>
-              </a:path>
-            </a:pathLst>
-          </a:custGeom>
-          <a:solidFill>
-            <a:schemeClr val="bg1"/>
-          </a:solidFill>
-          <a:ln>
-            <a:solidFill>
-              <a:schemeClr val="tx1"/>
-            </a:solidFill>
-          </a:ln>
-          <a:effectLst/>
-        </p:spPr>
-        <p:style>
-          <a:lnRef idx="1">
-            <a:schemeClr val="accent1"/>
-          </a:lnRef>
-          <a:fillRef idx="3">
-            <a:schemeClr val="accent1"/>
-          </a:fillRef>
-          <a:effectRef idx="2">
-            <a:schemeClr val="accent1"/>
-          </a:effectRef>
-          <a:fontRef idx="minor">
-            <a:schemeClr val="lt1"/>
-          </a:fontRef>
-        </p:style>
-        <p:txBody>
-          <a:bodyPr rtlCol="0" anchor="ctr"/>
-          <a:lstStyle/>
-          <a:p>
-            <a:r>
-              <a:rPr lang="en-US" sz="1600" dirty="0" smtClean="0">
-                <a:solidFill>
-                  <a:schemeClr val="tx1"/>
-                </a:solidFill>
-                <a:latin typeface="Arial"/>
-                <a:cs typeface="Arial"/>
-              </a:rPr>
-              <a:t>System</a:t>
-            </a:r>
-          </a:p>
-          <a:p>
-            <a:r>
-              <a:rPr lang="en-US" sz="1600" dirty="0" smtClean="0">
-                <a:solidFill>
-                  <a:schemeClr val="tx1"/>
-                </a:solidFill>
-                <a:latin typeface="Arial"/>
-                <a:cs typeface="Arial"/>
-              </a:rPr>
-              <a:t>Development</a:t>
-            </a:r>
-            <a:endParaRPr lang="en-US" sz="1600" dirty="0">
-              <a:solidFill>
-                <a:schemeClr val="tx1"/>
-              </a:solidFill>
-              <a:latin typeface="Arial"/>
-              <a:cs typeface="Arial"/>
-            </a:endParaRPr>
-          </a:p>
-        </p:txBody>
-      </p:sp>
-      <p:sp>
-        <p:nvSpPr>
-          <p:cNvPr id="6" name="Rectangle 5"/>
-          <p:cNvSpPr/>
-          <p:nvPr/>
-        </p:nvSpPr>
-        <p:spPr>
-          <a:xfrm>
-            <a:off x="4517581" y="1135161"/>
-            <a:ext cx="1959419" cy="925766"/>
-          </a:xfrm>
-          <a:custGeom>
-            <a:avLst/>
-            <a:gdLst>
-              <a:gd name="connsiteX0" fmla="*/ 0 w 1828800"/>
-              <a:gd name="connsiteY0" fmla="*/ 0 h 914400"/>
-              <a:gd name="connsiteX1" fmla="*/ 1828800 w 1828800"/>
-              <a:gd name="connsiteY1" fmla="*/ 0 h 914400"/>
-              <a:gd name="connsiteX2" fmla="*/ 1828800 w 1828800"/>
-              <a:gd name="connsiteY2" fmla="*/ 914400 h 914400"/>
-              <a:gd name="connsiteX3" fmla="*/ 0 w 1828800"/>
-              <a:gd name="connsiteY3" fmla="*/ 914400 h 914400"/>
-              <a:gd name="connsiteX4" fmla="*/ 0 w 1828800"/>
-              <a:gd name="connsiteY4" fmla="*/ 0 h 914400"/>
-              <a:gd name="connsiteX0" fmla="*/ 0 w 2426447"/>
-              <a:gd name="connsiteY0" fmla="*/ 14941 h 914400"/>
-              <a:gd name="connsiteX1" fmla="*/ 2426447 w 2426447"/>
-              <a:gd name="connsiteY1" fmla="*/ 0 h 914400"/>
-              <a:gd name="connsiteX2" fmla="*/ 2426447 w 2426447"/>
-              <a:gd name="connsiteY2" fmla="*/ 914400 h 914400"/>
-              <a:gd name="connsiteX3" fmla="*/ 597647 w 2426447"/>
-              <a:gd name="connsiteY3" fmla="*/ 914400 h 914400"/>
-              <a:gd name="connsiteX4" fmla="*/ 0 w 2426447"/>
-              <a:gd name="connsiteY4" fmla="*/ 14941 h 914400"/>
-              <a:gd name="connsiteX0" fmla="*/ 0 w 2432142"/>
-              <a:gd name="connsiteY0" fmla="*/ 0 h 922239"/>
-              <a:gd name="connsiteX1" fmla="*/ 2432142 w 2432142"/>
-              <a:gd name="connsiteY1" fmla="*/ 7839 h 922239"/>
-              <a:gd name="connsiteX2" fmla="*/ 2432142 w 2432142"/>
-              <a:gd name="connsiteY2" fmla="*/ 922239 h 922239"/>
-              <a:gd name="connsiteX3" fmla="*/ 603342 w 2432142"/>
-              <a:gd name="connsiteY3" fmla="*/ 922239 h 922239"/>
-              <a:gd name="connsiteX4" fmla="*/ 0 w 2432142"/>
-              <a:gd name="connsiteY4" fmla="*/ 0 h 922239"/>
-              <a:gd name="connsiteX0" fmla="*/ 0 w 2446253"/>
-              <a:gd name="connsiteY0" fmla="*/ 0 h 922239"/>
-              <a:gd name="connsiteX1" fmla="*/ 2446253 w 2446253"/>
-              <a:gd name="connsiteY1" fmla="*/ 7839 h 922239"/>
-              <a:gd name="connsiteX2" fmla="*/ 2446253 w 2446253"/>
-              <a:gd name="connsiteY2" fmla="*/ 922239 h 922239"/>
-              <a:gd name="connsiteX3" fmla="*/ 617453 w 2446253"/>
-              <a:gd name="connsiteY3" fmla="*/ 922239 h 922239"/>
-              <a:gd name="connsiteX4" fmla="*/ 0 w 2446253"/>
-              <a:gd name="connsiteY4" fmla="*/ 0 h 922239"/>
-              <a:gd name="connsiteX0" fmla="*/ 0 w 2446253"/>
-              <a:gd name="connsiteY0" fmla="*/ 0 h 922239"/>
-              <a:gd name="connsiteX1" fmla="*/ 1959419 w 2446253"/>
-              <a:gd name="connsiteY1" fmla="*/ 4311 h 922239"/>
-              <a:gd name="connsiteX2" fmla="*/ 2446253 w 2446253"/>
-              <a:gd name="connsiteY2" fmla="*/ 922239 h 922239"/>
-              <a:gd name="connsiteX3" fmla="*/ 617453 w 2446253"/>
-              <a:gd name="connsiteY3" fmla="*/ 922239 h 922239"/>
-              <a:gd name="connsiteX4" fmla="*/ 0 w 2446253"/>
-              <a:gd name="connsiteY4" fmla="*/ 0 h 922239"/>
-              <a:gd name="connsiteX0" fmla="*/ 0 w 1959419"/>
-              <a:gd name="connsiteY0" fmla="*/ 0 h 925766"/>
-              <a:gd name="connsiteX1" fmla="*/ 1959419 w 1959419"/>
-              <a:gd name="connsiteY1" fmla="*/ 4311 h 925766"/>
-              <a:gd name="connsiteX2" fmla="*/ 1948836 w 1959419"/>
-              <a:gd name="connsiteY2" fmla="*/ 925766 h 925766"/>
-              <a:gd name="connsiteX3" fmla="*/ 617453 w 1959419"/>
-              <a:gd name="connsiteY3" fmla="*/ 922239 h 925766"/>
-              <a:gd name="connsiteX4" fmla="*/ 0 w 1959419"/>
-              <a:gd name="connsiteY4" fmla="*/ 0 h 925766"/>
-            </a:gdLst>
-            <a:ahLst/>
-            <a:cxnLst>
-              <a:cxn ang="0">
-                <a:pos x="connsiteX0" y="connsiteY0"/>
-              </a:cxn>
-              <a:cxn ang="0">
-                <a:pos x="connsiteX1" y="connsiteY1"/>
-              </a:cxn>
-              <a:cxn ang="0">
-                <a:pos x="connsiteX2" y="connsiteY2"/>
-              </a:cxn>
-              <a:cxn ang="0">
-                <a:pos x="connsiteX3" y="connsiteY3"/>
-              </a:cxn>
-              <a:cxn ang="0">
-                <a:pos x="connsiteX4" y="connsiteY4"/>
-              </a:cxn>
-            </a:cxnLst>
-            <a:rect l="l" t="t" r="r" b="b"/>
-            <a:pathLst>
-              <a:path w="1959419" h="925766">
-                <a:moveTo>
-                  <a:pt x="0" y="0"/>
-                </a:moveTo>
-                <a:lnTo>
-                  <a:pt x="1959419" y="4311"/>
-                </a:lnTo>
-                <a:lnTo>
-                  <a:pt x="1948836" y="925766"/>
-                </a:lnTo>
-                <a:lnTo>
-                  <a:pt x="617453" y="922239"/>
-                </a:lnTo>
-                <a:lnTo>
-                  <a:pt x="0" y="0"/>
-                </a:lnTo>
-                <a:close/>
-              </a:path>
-            </a:pathLst>
-          </a:custGeom>
-          <a:solidFill>
-            <a:schemeClr val="bg1"/>
-          </a:solidFill>
-          <a:ln>
-            <a:solidFill>
-              <a:schemeClr val="tx1"/>
-            </a:solidFill>
-          </a:ln>
-          <a:effectLst/>
-        </p:spPr>
-        <p:style>
-          <a:lnRef idx="1">
-            <a:schemeClr val="accent1"/>
-          </a:lnRef>
-          <a:fillRef idx="3">
-            <a:schemeClr val="accent1"/>
-          </a:fillRef>
-          <a:effectRef idx="2">
-            <a:schemeClr val="accent1"/>
-          </a:effectRef>
-          <a:fontRef idx="minor">
-            <a:schemeClr val="lt1"/>
-          </a:fontRef>
-        </p:style>
-        <p:txBody>
-          <a:bodyPr rtlCol="0" anchor="ctr"/>
-          <a:lstStyle/>
-          <a:p>
-            <a:pPr algn="r"/>
-            <a:r>
-              <a:rPr lang="en-US" sz="1600" dirty="0" smtClean="0">
-                <a:solidFill>
-                  <a:schemeClr val="tx1"/>
-                </a:solidFill>
-                <a:latin typeface="Arial"/>
-                <a:cs typeface="Arial"/>
-              </a:rPr>
-              <a:t>Evaluation</a:t>
-            </a:r>
-            <a:endParaRPr lang="en-US" sz="1600" dirty="0">
-              <a:solidFill>
-                <a:schemeClr val="tx1"/>
-              </a:solidFill>
-              <a:latin typeface="Arial"/>
-              <a:cs typeface="Arial"/>
-            </a:endParaRPr>
-          </a:p>
-        </p:txBody>
-      </p:sp>
-      <p:sp>
-        <p:nvSpPr>
           <p:cNvPr id="7" name="Rectangle 6"/>
           <p:cNvSpPr/>
           <p:nvPr/>
         </p:nvSpPr>
         <p:spPr>
           <a:xfrm>
-            <a:off x="762000" y="1146527"/>
+            <a:off x="762000" y="1066800"/>
             <a:ext cx="715436" cy="914400"/>
           </a:xfrm>
           <a:prstGeom prst="rect">
@@ -3627,406 +3410,6 @@
           </a:p>
         </p:txBody>
       </p:sp>
-      <p:grpSp>
-        <p:nvGrpSpPr>
-          <p:cNvPr id="22" name="Group 21"/>
-          <p:cNvGrpSpPr/>
-          <p:nvPr/>
-        </p:nvGrpSpPr>
-        <p:grpSpPr>
-          <a:xfrm>
-            <a:off x="4250272" y="2286000"/>
-            <a:ext cx="2150528" cy="914400"/>
-            <a:chOff x="4572000" y="2286000"/>
-            <a:chExt cx="2150528" cy="914400"/>
-          </a:xfrm>
-        </p:grpSpPr>
-        <p:sp>
-          <p:nvSpPr>
-            <p:cNvPr id="8" name="Parallelogram 7"/>
-            <p:cNvSpPr/>
-            <p:nvPr/>
-          </p:nvSpPr>
-          <p:spPr>
-            <a:xfrm flipV="1">
-              <a:off x="4572000" y="2286000"/>
-              <a:ext cx="2150528" cy="914400"/>
-            </a:xfrm>
-            <a:prstGeom prst="parallelogram">
-              <a:avLst>
-                <a:gd name="adj" fmla="val 60447"/>
-              </a:avLst>
-            </a:prstGeom>
-            <a:solidFill>
-              <a:srgbClr val="FFFFFF"/>
-            </a:solidFill>
-            <a:ln>
-              <a:solidFill>
-                <a:schemeClr val="tx1"/>
-              </a:solidFill>
-            </a:ln>
-            <a:effectLst/>
-          </p:spPr>
-          <p:style>
-            <a:lnRef idx="1">
-              <a:schemeClr val="accent1"/>
-            </a:lnRef>
-            <a:fillRef idx="3">
-              <a:schemeClr val="accent1"/>
-            </a:fillRef>
-            <a:effectRef idx="2">
-              <a:schemeClr val="accent1"/>
-            </a:effectRef>
-            <a:fontRef idx="minor">
-              <a:schemeClr val="lt1"/>
-            </a:fontRef>
-          </p:style>
-          <p:txBody>
-            <a:bodyPr rtlCol="0" anchor="ctr"/>
-            <a:lstStyle/>
-            <a:p>
-              <a:pPr algn="ctr"/>
-              <a:endParaRPr lang="en-US" sz="1600" dirty="0" smtClean="0">
-                <a:solidFill>
-                  <a:schemeClr val="tx1"/>
-                </a:solidFill>
-                <a:latin typeface="Arial"/>
-                <a:cs typeface="Arial"/>
-              </a:endParaRPr>
-            </a:p>
-          </p:txBody>
-        </p:sp>
-        <p:sp>
-          <p:nvSpPr>
-            <p:cNvPr id="10" name="Rectangle 9"/>
-            <p:cNvSpPr/>
-            <p:nvPr/>
-          </p:nvSpPr>
-          <p:spPr>
-            <a:xfrm>
-              <a:off x="4572000" y="2286000"/>
-              <a:ext cx="2150528" cy="914400"/>
-            </a:xfrm>
-            <a:prstGeom prst="rect">
-              <a:avLst/>
-            </a:prstGeom>
-            <a:noFill/>
-            <a:ln>
-              <a:noFill/>
-            </a:ln>
-            <a:effectLst/>
-          </p:spPr>
-          <p:style>
-            <a:lnRef idx="1">
-              <a:schemeClr val="accent1"/>
-            </a:lnRef>
-            <a:fillRef idx="3">
-              <a:schemeClr val="accent1"/>
-            </a:fillRef>
-            <a:effectRef idx="2">
-              <a:schemeClr val="accent1"/>
-            </a:effectRef>
-            <a:fontRef idx="minor">
-              <a:schemeClr val="lt1"/>
-            </a:fontRef>
-          </p:style>
-          <p:txBody>
-            <a:bodyPr rtlCol="0" anchor="ctr"/>
-            <a:lstStyle/>
-            <a:p>
-              <a:pPr algn="ctr"/>
-              <a:r>
-                <a:rPr lang="en-US" sz="1600" dirty="0" smtClean="0">
-                  <a:solidFill>
-                    <a:schemeClr val="tx1"/>
-                  </a:solidFill>
-                  <a:latin typeface="Arial"/>
-                  <a:cs typeface="Arial"/>
-                </a:rPr>
-                <a:t>Design &amp;</a:t>
-              </a:r>
-            </a:p>
-            <a:p>
-              <a:pPr algn="ctr"/>
-              <a:r>
-                <a:rPr lang="en-US" sz="1600" dirty="0" smtClean="0">
-                  <a:solidFill>
-                    <a:schemeClr val="tx1"/>
-                  </a:solidFill>
-                  <a:latin typeface="Arial"/>
-                  <a:cs typeface="Arial"/>
-                </a:rPr>
-                <a:t>Development</a:t>
-              </a:r>
-              <a:endParaRPr lang="en-US" sz="1600" dirty="0">
-                <a:solidFill>
-                  <a:schemeClr val="tx1"/>
-                </a:solidFill>
-                <a:latin typeface="Arial"/>
-                <a:cs typeface="Arial"/>
-              </a:endParaRPr>
-            </a:p>
-          </p:txBody>
-        </p:sp>
-      </p:grpSp>
-      <p:grpSp>
-        <p:nvGrpSpPr>
-          <p:cNvPr id="12" name="Group 11"/>
-          <p:cNvGrpSpPr/>
-          <p:nvPr/>
-        </p:nvGrpSpPr>
-        <p:grpSpPr>
-          <a:xfrm>
-            <a:off x="5164672" y="3200400"/>
-            <a:ext cx="2713564" cy="457200"/>
-            <a:chOff x="3473454" y="2590800"/>
-            <a:chExt cx="2713564" cy="914400"/>
-          </a:xfrm>
-        </p:grpSpPr>
-        <p:sp>
-          <p:nvSpPr>
-            <p:cNvPr id="13" name="Rectangle 12"/>
-            <p:cNvSpPr/>
-            <p:nvPr/>
-          </p:nvSpPr>
-          <p:spPr>
-            <a:xfrm>
-              <a:off x="3473454" y="2590800"/>
-              <a:ext cx="2713564" cy="914400"/>
-            </a:xfrm>
-            <a:prstGeom prst="rect">
-              <a:avLst/>
-            </a:prstGeom>
-            <a:solidFill>
-              <a:schemeClr val="bg1"/>
-            </a:solidFill>
-            <a:ln>
-              <a:noFill/>
-            </a:ln>
-            <a:effectLst/>
-          </p:spPr>
-          <p:style>
-            <a:lnRef idx="1">
-              <a:schemeClr val="accent1"/>
-            </a:lnRef>
-            <a:fillRef idx="3">
-              <a:schemeClr val="accent1"/>
-            </a:fillRef>
-            <a:effectRef idx="2">
-              <a:schemeClr val="accent1"/>
-            </a:effectRef>
-            <a:fontRef idx="minor">
-              <a:schemeClr val="lt1"/>
-            </a:fontRef>
-          </p:style>
-          <p:txBody>
-            <a:bodyPr rtlCol="0" anchor="ctr"/>
-            <a:lstStyle/>
-            <a:p>
-              <a:pPr algn="ctr"/>
-              <a:r>
-                <a:rPr lang="en-US" sz="1600" dirty="0" smtClean="0">
-                  <a:solidFill>
-                    <a:schemeClr val="tx1"/>
-                  </a:solidFill>
-                  <a:latin typeface="Arial"/>
-                  <a:cs typeface="Arial"/>
-                </a:rPr>
-                <a:t>Deployment</a:t>
-              </a:r>
-              <a:endParaRPr lang="en-US" sz="1600" dirty="0">
-                <a:solidFill>
-                  <a:schemeClr val="tx1"/>
-                </a:solidFill>
-                <a:latin typeface="Arial"/>
-                <a:cs typeface="Arial"/>
-              </a:endParaRPr>
-            </a:p>
-          </p:txBody>
-        </p:sp>
-        <p:sp>
-          <p:nvSpPr>
-            <p:cNvPr id="14" name="Parallelogram 13"/>
-            <p:cNvSpPr/>
-            <p:nvPr/>
-          </p:nvSpPr>
-          <p:spPr>
-            <a:xfrm flipV="1">
-              <a:off x="3473454" y="2590800"/>
-              <a:ext cx="2713564" cy="914400"/>
-            </a:xfrm>
-            <a:prstGeom prst="parallelogram">
-              <a:avLst>
-                <a:gd name="adj" fmla="val 60447"/>
-              </a:avLst>
-            </a:prstGeom>
-            <a:noFill/>
-            <a:ln>
-              <a:solidFill>
-                <a:schemeClr val="tx1"/>
-              </a:solidFill>
-            </a:ln>
-            <a:effectLst/>
-          </p:spPr>
-          <p:style>
-            <a:lnRef idx="1">
-              <a:schemeClr val="accent1"/>
-            </a:lnRef>
-            <a:fillRef idx="3">
-              <a:schemeClr val="accent1"/>
-            </a:fillRef>
-            <a:effectRef idx="2">
-              <a:schemeClr val="accent1"/>
-            </a:effectRef>
-            <a:fontRef idx="minor">
-              <a:schemeClr val="lt1"/>
-            </a:fontRef>
-          </p:style>
-          <p:txBody>
-            <a:bodyPr rtlCol="0" anchor="ctr"/>
-            <a:lstStyle/>
-            <a:p>
-              <a:pPr algn="ctr"/>
-              <a:endParaRPr lang="en-US" sz="1600" dirty="0" smtClean="0">
-                <a:solidFill>
-                  <a:schemeClr val="tx1"/>
-                </a:solidFill>
-                <a:latin typeface="Arial"/>
-                <a:cs typeface="Arial"/>
-              </a:endParaRPr>
-            </a:p>
-          </p:txBody>
-        </p:sp>
-      </p:grpSp>
-      <p:grpSp>
-        <p:nvGrpSpPr>
-          <p:cNvPr id="19" name="Group 18"/>
-          <p:cNvGrpSpPr/>
-          <p:nvPr/>
-        </p:nvGrpSpPr>
-        <p:grpSpPr>
-          <a:xfrm>
-            <a:off x="5439836" y="3657600"/>
-            <a:ext cx="2713564" cy="457200"/>
-            <a:chOff x="3473454" y="2590800"/>
-            <a:chExt cx="2713564" cy="914400"/>
-          </a:xfrm>
-        </p:grpSpPr>
-        <p:sp>
-          <p:nvSpPr>
-            <p:cNvPr id="20" name="Rectangle 19"/>
-            <p:cNvSpPr/>
-            <p:nvPr/>
-          </p:nvSpPr>
-          <p:spPr>
-            <a:xfrm>
-              <a:off x="3473454" y="2590800"/>
-              <a:ext cx="2713564" cy="914400"/>
-            </a:xfrm>
-            <a:prstGeom prst="rect">
-              <a:avLst/>
-            </a:prstGeom>
-            <a:solidFill>
-              <a:schemeClr val="bg1"/>
-            </a:solidFill>
-            <a:ln>
-              <a:noFill/>
-            </a:ln>
-            <a:effectLst/>
-          </p:spPr>
-          <p:style>
-            <a:lnRef idx="1">
-              <a:schemeClr val="accent1"/>
-            </a:lnRef>
-            <a:fillRef idx="3">
-              <a:schemeClr val="accent1"/>
-            </a:fillRef>
-            <a:effectRef idx="2">
-              <a:schemeClr val="accent1"/>
-            </a:effectRef>
-            <a:fontRef idx="minor">
-              <a:schemeClr val="lt1"/>
-            </a:fontRef>
-          </p:style>
-          <p:txBody>
-            <a:bodyPr rtlCol="0" anchor="ctr"/>
-            <a:lstStyle/>
-            <a:p>
-              <a:pPr algn="ctr"/>
-              <a:r>
-                <a:rPr lang="en-US" sz="1600" dirty="0" smtClean="0">
-                  <a:solidFill>
-                    <a:schemeClr val="tx1"/>
-                  </a:solidFill>
-                  <a:latin typeface="Arial"/>
-                  <a:cs typeface="Arial"/>
-                </a:rPr>
-                <a:t>Evaluation</a:t>
-              </a:r>
-              <a:endParaRPr lang="en-US" sz="1600" dirty="0">
-                <a:solidFill>
-                  <a:schemeClr val="tx1"/>
-                </a:solidFill>
-                <a:latin typeface="Arial"/>
-                <a:cs typeface="Arial"/>
-              </a:endParaRPr>
-            </a:p>
-          </p:txBody>
-        </p:sp>
-        <p:sp>
-          <p:nvSpPr>
-            <p:cNvPr id="21" name="Parallelogram 20"/>
-            <p:cNvSpPr/>
-            <p:nvPr/>
-          </p:nvSpPr>
-          <p:spPr>
-            <a:xfrm flipV="1">
-              <a:off x="3473454" y="2590800"/>
-              <a:ext cx="2713564" cy="914400"/>
-            </a:xfrm>
-            <a:prstGeom prst="parallelogram">
-              <a:avLst>
-                <a:gd name="adj" fmla="val 60447"/>
-              </a:avLst>
-            </a:prstGeom>
-            <a:noFill/>
-            <a:ln>
-              <a:solidFill>
-                <a:schemeClr val="tx1"/>
-              </a:solidFill>
-            </a:ln>
-            <a:effectLst/>
-          </p:spPr>
-          <p:style>
-            <a:lnRef idx="1">
-              <a:schemeClr val="accent1"/>
-            </a:lnRef>
-            <a:fillRef idx="3">
-              <a:schemeClr val="accent1"/>
-            </a:fillRef>
-            <a:effectRef idx="2">
-              <a:schemeClr val="accent1"/>
-            </a:effectRef>
-            <a:fontRef idx="minor">
-              <a:schemeClr val="lt1"/>
-            </a:fontRef>
-          </p:style>
-          <p:txBody>
-            <a:bodyPr rtlCol="0" anchor="ctr"/>
-            <a:lstStyle/>
-            <a:p>
-              <a:pPr algn="ctr"/>
-              <a:endParaRPr lang="en-US" sz="1600" dirty="0" smtClean="0">
-                <a:solidFill>
-                  <a:schemeClr val="tx1"/>
-                </a:solidFill>
-                <a:latin typeface="Arial"/>
-                <a:cs typeface="Arial"/>
-              </a:endParaRPr>
-            </a:p>
-          </p:txBody>
-        </p:sp>
-      </p:grpSp>
       <p:sp>
         <p:nvSpPr>
           <p:cNvPr id="23" name="Rectangle 22"/>
@@ -4035,7 +3418,7 @@
         </p:nvSpPr>
         <p:spPr>
           <a:xfrm>
-            <a:off x="762000" y="2743200"/>
+            <a:off x="800100" y="2819400"/>
             <a:ext cx="1447800" cy="914400"/>
           </a:xfrm>
           <a:prstGeom prst="rect">
@@ -4351,7 +3734,7 @@
         </p:nvSpPr>
         <p:spPr>
           <a:xfrm>
-            <a:off x="1524000" y="4648200"/>
+            <a:off x="3463314" y="4876800"/>
             <a:ext cx="1447800" cy="304800"/>
           </a:xfrm>
           <a:prstGeom prst="rect">
@@ -4410,7 +3793,7 @@
         </p:nvSpPr>
         <p:spPr>
           <a:xfrm>
-            <a:off x="3115736" y="4053245"/>
+            <a:off x="3115736" y="4569023"/>
             <a:ext cx="381000" cy="307777"/>
           </a:xfrm>
           <a:prstGeom prst="rect">
@@ -4447,7 +3830,7 @@
         </p:nvSpPr>
         <p:spPr>
           <a:xfrm>
-            <a:off x="4000500" y="4053245"/>
+            <a:off x="4000500" y="4569023"/>
             <a:ext cx="381000" cy="307777"/>
           </a:xfrm>
           <a:prstGeom prst="rect">
@@ -4484,7 +3867,7 @@
         </p:nvSpPr>
         <p:spPr>
           <a:xfrm>
-            <a:off x="4953000" y="4053245"/>
+            <a:off x="4953000" y="4569023"/>
             <a:ext cx="381000" cy="307777"/>
           </a:xfrm>
           <a:prstGeom prst="rect">
@@ -4521,7 +3904,7 @@
         </p:nvSpPr>
         <p:spPr>
           <a:xfrm>
-            <a:off x="5829300" y="4053245"/>
+            <a:off x="5829300" y="4569023"/>
             <a:ext cx="381000" cy="307777"/>
           </a:xfrm>
           <a:prstGeom prst="rect">
@@ -4558,7 +3941,7 @@
         </p:nvSpPr>
         <p:spPr>
           <a:xfrm>
-            <a:off x="1295400" y="4053245"/>
+            <a:off x="1295400" y="4569023"/>
             <a:ext cx="381000" cy="307777"/>
           </a:xfrm>
           <a:prstGeom prst="rect">
@@ -4595,7 +3978,7 @@
         </p:nvSpPr>
         <p:spPr>
           <a:xfrm>
-            <a:off x="2180164" y="4053245"/>
+            <a:off x="2180164" y="4569023"/>
             <a:ext cx="381000" cy="307777"/>
           </a:xfrm>
           <a:prstGeom prst="rect">
@@ -4618,6 +4001,321 @@
               <a:t>-1</a:t>
             </a:r>
             <a:endParaRPr lang="en-US" sz="1400" dirty="0">
+              <a:latin typeface="Arial"/>
+              <a:cs typeface="Arial"/>
+            </a:endParaRPr>
+          </a:p>
+        </p:txBody>
+      </p:sp>
+      <p:sp>
+        <p:nvSpPr>
+          <p:cNvPr id="31" name="Rectangle 30"/>
+          <p:cNvSpPr/>
+          <p:nvPr/>
+        </p:nvSpPr>
+        <p:spPr>
+          <a:xfrm>
+            <a:off x="3306236" y="994127"/>
+            <a:ext cx="2133600" cy="685800"/>
+          </a:xfrm>
+          <a:prstGeom prst="rect">
+            <a:avLst/>
+          </a:prstGeom>
+          <a:solidFill>
+            <a:schemeClr val="bg1"/>
+          </a:solidFill>
+          <a:ln>
+            <a:solidFill>
+              <a:schemeClr val="tx1"/>
+            </a:solidFill>
+          </a:ln>
+          <a:effectLst/>
+        </p:spPr>
+        <p:style>
+          <a:lnRef idx="1">
+            <a:schemeClr val="accent1"/>
+          </a:lnRef>
+          <a:fillRef idx="3">
+            <a:schemeClr val="accent1"/>
+          </a:fillRef>
+          <a:effectRef idx="2">
+            <a:schemeClr val="accent1"/>
+          </a:effectRef>
+          <a:fontRef idx="minor">
+            <a:schemeClr val="lt1"/>
+          </a:fontRef>
+        </p:style>
+        <p:txBody>
+          <a:bodyPr rtlCol="0" anchor="ctr"/>
+          <a:lstStyle/>
+          <a:p>
+            <a:pPr algn="ctr"/>
+            <a:r>
+              <a:rPr lang="en-US" sz="1600" dirty="0" smtClean="0">
+                <a:solidFill>
+                  <a:schemeClr val="tx1"/>
+                </a:solidFill>
+                <a:latin typeface="Arial"/>
+                <a:cs typeface="Arial"/>
+              </a:rPr>
+              <a:t>Design &amp; Development</a:t>
+            </a:r>
+            <a:endParaRPr lang="en-US" sz="1600" dirty="0">
+              <a:solidFill>
+                <a:schemeClr val="tx1"/>
+              </a:solidFill>
+              <a:latin typeface="Arial"/>
+              <a:cs typeface="Arial"/>
+            </a:endParaRPr>
+          </a:p>
+        </p:txBody>
+      </p:sp>
+      <p:sp>
+        <p:nvSpPr>
+          <p:cNvPr id="44" name="Rectangle 43"/>
+          <p:cNvSpPr/>
+          <p:nvPr/>
+        </p:nvSpPr>
+        <p:spPr>
+          <a:xfrm>
+            <a:off x="4419600" y="1676400"/>
+            <a:ext cx="1828800" cy="457200"/>
+          </a:xfrm>
+          <a:prstGeom prst="rect">
+            <a:avLst/>
+          </a:prstGeom>
+          <a:solidFill>
+            <a:schemeClr val="bg1"/>
+          </a:solidFill>
+          <a:ln>
+            <a:solidFill>
+              <a:schemeClr val="tx1"/>
+            </a:solidFill>
+          </a:ln>
+          <a:effectLst/>
+        </p:spPr>
+        <p:style>
+          <a:lnRef idx="1">
+            <a:schemeClr val="accent1"/>
+          </a:lnRef>
+          <a:fillRef idx="3">
+            <a:schemeClr val="accent1"/>
+          </a:fillRef>
+          <a:effectRef idx="2">
+            <a:schemeClr val="accent1"/>
+          </a:effectRef>
+          <a:fontRef idx="minor">
+            <a:schemeClr val="lt1"/>
+          </a:fontRef>
+        </p:style>
+        <p:txBody>
+          <a:bodyPr rtlCol="0" anchor="ctr"/>
+          <a:lstStyle/>
+          <a:p>
+            <a:pPr algn="ctr"/>
+            <a:r>
+              <a:rPr lang="en-US" sz="1600" dirty="0" smtClean="0">
+                <a:solidFill>
+                  <a:schemeClr val="tx1"/>
+                </a:solidFill>
+                <a:latin typeface="Arial"/>
+                <a:cs typeface="Arial"/>
+              </a:rPr>
+              <a:t>Evaluation</a:t>
+            </a:r>
+            <a:endParaRPr lang="en-US" sz="1600" dirty="0">
+              <a:solidFill>
+                <a:schemeClr val="tx1"/>
+              </a:solidFill>
+              <a:latin typeface="Arial"/>
+              <a:cs typeface="Arial"/>
+            </a:endParaRPr>
+          </a:p>
+        </p:txBody>
+      </p:sp>
+      <p:sp>
+        <p:nvSpPr>
+          <p:cNvPr id="45" name="Rectangle 44"/>
+          <p:cNvSpPr/>
+          <p:nvPr/>
+        </p:nvSpPr>
+        <p:spPr>
+          <a:xfrm>
+            <a:off x="4648200" y="2438400"/>
+            <a:ext cx="2133600" cy="685800"/>
+          </a:xfrm>
+          <a:prstGeom prst="rect">
+            <a:avLst/>
+          </a:prstGeom>
+          <a:solidFill>
+            <a:schemeClr val="bg1"/>
+          </a:solidFill>
+          <a:ln>
+            <a:solidFill>
+              <a:schemeClr val="tx1"/>
+            </a:solidFill>
+          </a:ln>
+          <a:effectLst/>
+        </p:spPr>
+        <p:style>
+          <a:lnRef idx="1">
+            <a:schemeClr val="accent1"/>
+          </a:lnRef>
+          <a:fillRef idx="3">
+            <a:schemeClr val="accent1"/>
+          </a:fillRef>
+          <a:effectRef idx="2">
+            <a:schemeClr val="accent1"/>
+          </a:effectRef>
+          <a:fontRef idx="minor">
+            <a:schemeClr val="lt1"/>
+          </a:fontRef>
+        </p:style>
+        <p:txBody>
+          <a:bodyPr rtlCol="0" anchor="ctr"/>
+          <a:lstStyle/>
+          <a:p>
+            <a:pPr algn="ctr"/>
+            <a:r>
+              <a:rPr lang="en-US" sz="1600" dirty="0" smtClean="0">
+                <a:solidFill>
+                  <a:schemeClr val="tx1"/>
+                </a:solidFill>
+                <a:latin typeface="Arial"/>
+                <a:cs typeface="Arial"/>
+              </a:rPr>
+              <a:t>Design &amp; Development</a:t>
+            </a:r>
+            <a:endParaRPr lang="en-US" sz="1600" dirty="0">
+              <a:solidFill>
+                <a:schemeClr val="tx1"/>
+              </a:solidFill>
+              <a:latin typeface="Arial"/>
+              <a:cs typeface="Arial"/>
+            </a:endParaRPr>
+          </a:p>
+        </p:txBody>
+      </p:sp>
+      <p:sp>
+        <p:nvSpPr>
+          <p:cNvPr id="46" name="Rectangle 45"/>
+          <p:cNvSpPr/>
+          <p:nvPr/>
+        </p:nvSpPr>
+        <p:spPr>
+          <a:xfrm>
+            <a:off x="5334000" y="3124200"/>
+            <a:ext cx="2133600" cy="457200"/>
+          </a:xfrm>
+          <a:prstGeom prst="rect">
+            <a:avLst/>
+          </a:prstGeom>
+          <a:solidFill>
+            <a:schemeClr val="bg1"/>
+          </a:solidFill>
+          <a:ln>
+            <a:solidFill>
+              <a:schemeClr val="tx1"/>
+            </a:solidFill>
+          </a:ln>
+          <a:effectLst/>
+        </p:spPr>
+        <p:style>
+          <a:lnRef idx="1">
+            <a:schemeClr val="accent1"/>
+          </a:lnRef>
+          <a:fillRef idx="3">
+            <a:schemeClr val="accent1"/>
+          </a:fillRef>
+          <a:effectRef idx="2">
+            <a:schemeClr val="accent1"/>
+          </a:effectRef>
+          <a:fontRef idx="minor">
+            <a:schemeClr val="lt1"/>
+          </a:fontRef>
+        </p:style>
+        <p:txBody>
+          <a:bodyPr rtlCol="0" anchor="ctr"/>
+          <a:lstStyle/>
+          <a:p>
+            <a:pPr algn="ctr"/>
+            <a:r>
+              <a:rPr lang="en-US" sz="1600" dirty="0" smtClean="0">
+                <a:solidFill>
+                  <a:schemeClr val="tx1"/>
+                </a:solidFill>
+                <a:latin typeface="Arial"/>
+                <a:cs typeface="Arial"/>
+              </a:rPr>
+              <a:t>Deployment</a:t>
+            </a:r>
+            <a:endParaRPr lang="en-US" sz="1600" dirty="0">
+              <a:solidFill>
+                <a:schemeClr val="tx1"/>
+              </a:solidFill>
+              <a:latin typeface="Arial"/>
+              <a:cs typeface="Arial"/>
+            </a:endParaRPr>
+          </a:p>
+        </p:txBody>
+      </p:sp>
+      <p:sp>
+        <p:nvSpPr>
+          <p:cNvPr id="47" name="Rectangle 46"/>
+          <p:cNvSpPr/>
+          <p:nvPr/>
+        </p:nvSpPr>
+        <p:spPr>
+          <a:xfrm>
+            <a:off x="6019800" y="3581400"/>
+            <a:ext cx="2133600" cy="457200"/>
+          </a:xfrm>
+          <a:prstGeom prst="rect">
+            <a:avLst/>
+          </a:prstGeom>
+          <a:solidFill>
+            <a:schemeClr val="bg1"/>
+          </a:solidFill>
+          <a:ln>
+            <a:solidFill>
+              <a:schemeClr val="tx1"/>
+            </a:solidFill>
+          </a:ln>
+          <a:effectLst/>
+        </p:spPr>
+        <p:style>
+          <a:lnRef idx="1">
+            <a:schemeClr val="accent1"/>
+          </a:lnRef>
+          <a:fillRef idx="3">
+            <a:schemeClr val="accent1"/>
+          </a:fillRef>
+          <a:effectRef idx="2">
+            <a:schemeClr val="accent1"/>
+          </a:effectRef>
+          <a:fontRef idx="minor">
+            <a:schemeClr val="lt1"/>
+          </a:fontRef>
+        </p:style>
+        <p:txBody>
+          <a:bodyPr rtlCol="0" anchor="ctr"/>
+          <a:lstStyle/>
+          <a:p>
+            <a:pPr algn="ctr"/>
+            <a:r>
+              <a:rPr lang="en-US" sz="1600" dirty="0" smtClean="0">
+                <a:solidFill>
+                  <a:schemeClr val="tx1"/>
+                </a:solidFill>
+                <a:latin typeface="Arial"/>
+                <a:cs typeface="Arial"/>
+              </a:rPr>
+              <a:t>Evaluation</a:t>
+            </a:r>
+            <a:endParaRPr lang="en-US" sz="1600" dirty="0">
+              <a:solidFill>
+                <a:schemeClr val="tx1"/>
+              </a:solidFill>
               <a:latin typeface="Arial"/>
               <a:cs typeface="Arial"/>
             </a:endParaRPr>

--- a/schedule.pptx
+++ b/schedule.pptx
@@ -4058,7 +4058,7 @@
                 <a:latin typeface="Arial"/>
                 <a:cs typeface="Arial"/>
               </a:rPr>
-              <a:t>Design &amp; Development</a:t>
+              <a:t>Design, Development &amp; Deployment</a:t>
             </a:r>
             <a:endParaRPr lang="en-US" sz="1600" dirty="0">
               <a:solidFill>

--- a/schedule.pptx
+++ b/schedule.pptx
@@ -288,7 +288,7 @@
           <a:p>
             <a:fld id="{42A15FF1-0452-504A-B640-787979F1EB22}" type="datetimeFigureOut">
               <a:rPr lang="en-US" smtClean="0"/>
-              <a:t>5/21/12</a:t>
+              <a:t>5/23/12</a:t>
             </a:fld>
             <a:endParaRPr lang="en-US"/>
           </a:p>
@@ -458,7 +458,7 @@
           <a:p>
             <a:fld id="{42A15FF1-0452-504A-B640-787979F1EB22}" type="datetimeFigureOut">
               <a:rPr lang="en-US" smtClean="0"/>
-              <a:t>5/21/12</a:t>
+              <a:t>5/23/12</a:t>
             </a:fld>
             <a:endParaRPr lang="en-US"/>
           </a:p>
@@ -638,7 +638,7 @@
           <a:p>
             <a:fld id="{42A15FF1-0452-504A-B640-787979F1EB22}" type="datetimeFigureOut">
               <a:rPr lang="en-US" smtClean="0"/>
-              <a:t>5/21/12</a:t>
+              <a:t>5/23/12</a:t>
             </a:fld>
             <a:endParaRPr lang="en-US"/>
           </a:p>
@@ -808,7 +808,7 @@
           <a:p>
             <a:fld id="{42A15FF1-0452-504A-B640-787979F1EB22}" type="datetimeFigureOut">
               <a:rPr lang="en-US" smtClean="0"/>
-              <a:t>5/21/12</a:t>
+              <a:t>5/23/12</a:t>
             </a:fld>
             <a:endParaRPr lang="en-US"/>
           </a:p>
@@ -1054,7 +1054,7 @@
           <a:p>
             <a:fld id="{42A15FF1-0452-504A-B640-787979F1EB22}" type="datetimeFigureOut">
               <a:rPr lang="en-US" smtClean="0"/>
-              <a:t>5/21/12</a:t>
+              <a:t>5/23/12</a:t>
             </a:fld>
             <a:endParaRPr lang="en-US"/>
           </a:p>
@@ -1342,7 +1342,7 @@
           <a:p>
             <a:fld id="{42A15FF1-0452-504A-B640-787979F1EB22}" type="datetimeFigureOut">
               <a:rPr lang="en-US" smtClean="0"/>
-              <a:t>5/21/12</a:t>
+              <a:t>5/23/12</a:t>
             </a:fld>
             <a:endParaRPr lang="en-US"/>
           </a:p>
@@ -1764,7 +1764,7 @@
           <a:p>
             <a:fld id="{42A15FF1-0452-504A-B640-787979F1EB22}" type="datetimeFigureOut">
               <a:rPr lang="en-US" smtClean="0"/>
-              <a:t>5/21/12</a:t>
+              <a:t>5/23/12</a:t>
             </a:fld>
             <a:endParaRPr lang="en-US"/>
           </a:p>
@@ -1882,7 +1882,7 @@
           <a:p>
             <a:fld id="{42A15FF1-0452-504A-B640-787979F1EB22}" type="datetimeFigureOut">
               <a:rPr lang="en-US" smtClean="0"/>
-              <a:t>5/21/12</a:t>
+              <a:t>5/23/12</a:t>
             </a:fld>
             <a:endParaRPr lang="en-US"/>
           </a:p>
@@ -1977,7 +1977,7 @@
           <a:p>
             <a:fld id="{42A15FF1-0452-504A-B640-787979F1EB22}" type="datetimeFigureOut">
               <a:rPr lang="en-US" smtClean="0"/>
-              <a:t>5/21/12</a:t>
+              <a:t>5/23/12</a:t>
             </a:fld>
             <a:endParaRPr lang="en-US"/>
           </a:p>
@@ -2254,7 +2254,7 @@
           <a:p>
             <a:fld id="{42A15FF1-0452-504A-B640-787979F1EB22}" type="datetimeFigureOut">
               <a:rPr lang="en-US" smtClean="0"/>
-              <a:t>5/21/12</a:t>
+              <a:t>5/23/12</a:t>
             </a:fld>
             <a:endParaRPr lang="en-US"/>
           </a:p>
@@ -2507,7 +2507,7 @@
           <a:p>
             <a:fld id="{42A15FF1-0452-504A-B640-787979F1EB22}" type="datetimeFigureOut">
               <a:rPr lang="en-US" smtClean="0"/>
-              <a:t>5/21/12</a:t>
+              <a:t>5/23/12</a:t>
             </a:fld>
             <a:endParaRPr lang="en-US"/>
           </a:p>
@@ -2720,7 +2720,7 @@
           <a:p>
             <a:fld id="{42A15FF1-0452-504A-B640-787979F1EB22}" type="datetimeFigureOut">
               <a:rPr lang="en-US" smtClean="0"/>
-              <a:t>5/21/12</a:t>
+              <a:t>5/23/12</a:t>
             </a:fld>
             <a:endParaRPr lang="en-US"/>
           </a:p>
@@ -3104,7 +3104,7 @@
         <p:spPr>
           <a:xfrm>
             <a:off x="762000" y="2362199"/>
-            <a:ext cx="7543800" cy="1828801"/>
+            <a:ext cx="7543800" cy="2057401"/>
           </a:xfrm>
           <a:prstGeom prst="roundRect">
             <a:avLst/>
@@ -3196,7 +3196,7 @@
         <p:spPr>
           <a:xfrm>
             <a:off x="3306236" y="381000"/>
-            <a:ext cx="1828800" cy="4114800"/>
+            <a:ext cx="1828800" cy="4191000"/>
           </a:xfrm>
           <a:prstGeom prst="rect">
             <a:avLst/>
@@ -3488,7 +3488,7 @@
         </p:nvCxnSpPr>
         <p:spPr>
           <a:xfrm>
-            <a:off x="1477436" y="4495800"/>
+            <a:off x="1477436" y="4572000"/>
             <a:ext cx="5913964" cy="0"/>
           </a:xfrm>
           <a:prstGeom prst="straightConnector1">
@@ -3524,7 +3524,7 @@
         </p:nvCxnSpPr>
         <p:spPr>
           <a:xfrm flipV="1">
-            <a:off x="1477436" y="4419600"/>
+            <a:off x="1477436" y="4495800"/>
             <a:ext cx="0" cy="152400"/>
           </a:xfrm>
           <a:prstGeom prst="line">
@@ -3559,7 +3559,7 @@
         </p:nvCxnSpPr>
         <p:spPr>
           <a:xfrm flipV="1">
-            <a:off x="3306236" y="4419600"/>
+            <a:off x="3306236" y="4495800"/>
             <a:ext cx="0" cy="152400"/>
           </a:xfrm>
           <a:prstGeom prst="line">
@@ -3594,7 +3594,7 @@
         </p:nvCxnSpPr>
         <p:spPr>
           <a:xfrm flipV="1">
-            <a:off x="5135036" y="4419600"/>
+            <a:off x="5135036" y="4495800"/>
             <a:ext cx="0" cy="152400"/>
           </a:xfrm>
           <a:prstGeom prst="line">
@@ -3629,7 +3629,7 @@
         </p:nvCxnSpPr>
         <p:spPr>
           <a:xfrm flipV="1">
-            <a:off x="2362200" y="4419600"/>
+            <a:off x="2362200" y="4495800"/>
             <a:ext cx="0" cy="152400"/>
           </a:xfrm>
           <a:prstGeom prst="line">
@@ -3664,7 +3664,7 @@
         </p:nvCxnSpPr>
         <p:spPr>
           <a:xfrm flipV="1">
-            <a:off x="4191000" y="4419600"/>
+            <a:off x="4191000" y="4495800"/>
             <a:ext cx="0" cy="152400"/>
           </a:xfrm>
           <a:prstGeom prst="line">
@@ -3699,7 +3699,7 @@
         </p:nvCxnSpPr>
         <p:spPr>
           <a:xfrm flipV="1">
-            <a:off x="6019800" y="4419600"/>
+            <a:off x="6019800" y="4495800"/>
             <a:ext cx="0" cy="152400"/>
           </a:xfrm>
           <a:prstGeom prst="line">
@@ -3793,7 +3793,7 @@
         </p:nvSpPr>
         <p:spPr>
           <a:xfrm>
-            <a:off x="3115736" y="4569023"/>
+            <a:off x="3115736" y="4645223"/>
             <a:ext cx="381000" cy="307777"/>
           </a:xfrm>
           <a:prstGeom prst="rect">
@@ -3830,7 +3830,7 @@
         </p:nvSpPr>
         <p:spPr>
           <a:xfrm>
-            <a:off x="4000500" y="4569023"/>
+            <a:off x="4000500" y="4645223"/>
             <a:ext cx="381000" cy="307777"/>
           </a:xfrm>
           <a:prstGeom prst="rect">
@@ -3867,7 +3867,7 @@
         </p:nvSpPr>
         <p:spPr>
           <a:xfrm>
-            <a:off x="4953000" y="4569023"/>
+            <a:off x="4953000" y="4645223"/>
             <a:ext cx="381000" cy="307777"/>
           </a:xfrm>
           <a:prstGeom prst="rect">
@@ -3904,7 +3904,7 @@
         </p:nvSpPr>
         <p:spPr>
           <a:xfrm>
-            <a:off x="5829300" y="4569023"/>
+            <a:off x="5829300" y="4645223"/>
             <a:ext cx="381000" cy="307777"/>
           </a:xfrm>
           <a:prstGeom prst="rect">
@@ -3941,7 +3941,7 @@
         </p:nvSpPr>
         <p:spPr>
           <a:xfrm>
-            <a:off x="1295400" y="4569023"/>
+            <a:off x="1295400" y="4645223"/>
             <a:ext cx="381000" cy="307777"/>
           </a:xfrm>
           <a:prstGeom prst="rect">
@@ -3978,7 +3978,7 @@
         </p:nvSpPr>
         <p:spPr>
           <a:xfrm>
-            <a:off x="2180164" y="4569023"/>
+            <a:off x="2180164" y="4645223"/>
             <a:ext cx="381000" cy="307777"/>
           </a:xfrm>
           <a:prstGeom prst="rect">
@@ -4268,7 +4268,7 @@
         <p:spPr>
           <a:xfrm>
             <a:off x="6019800" y="3581400"/>
-            <a:ext cx="2133600" cy="457200"/>
+            <a:ext cx="2133600" cy="609600"/>
           </a:xfrm>
           <a:prstGeom prst="rect">
             <a:avLst/>
@@ -4310,7 +4310,7 @@
                 <a:latin typeface="Arial"/>
                 <a:cs typeface="Arial"/>
               </a:rPr>
-              <a:t>Evaluation</a:t>
+              <a:t>Evaluation &amp; Experimentation</a:t>
             </a:r>
             <a:endParaRPr lang="en-US" sz="1600" dirty="0">
               <a:solidFill>

--- a/schedule.pptx
+++ b/schedule.pptx
@@ -3734,7 +3734,7 @@
         </p:nvSpPr>
         <p:spPr>
           <a:xfrm>
-            <a:off x="3463314" y="4876800"/>
+            <a:off x="2590800" y="4876800"/>
             <a:ext cx="1447800" cy="304800"/>
           </a:xfrm>
           <a:prstGeom prst="rect">
